--- a/SVM.pptx
+++ b/SVM.pptx
@@ -4,14 +4,19 @@
   <p:sldMasterIdLst>
     <p:sldMasterId id="2147483980" r:id="rId1"/>
   </p:sldMasterIdLst>
+  <p:notesMasterIdLst>
+    <p:notesMasterId r:id="rId11"/>
+  </p:notesMasterIdLst>
   <p:sldIdLst>
     <p:sldId id="256" r:id="rId2"/>
     <p:sldId id="257" r:id="rId3"/>
-    <p:sldId id="258" r:id="rId4"/>
-    <p:sldId id="259" r:id="rId5"/>
-    <p:sldId id="262" r:id="rId6"/>
-    <p:sldId id="260" r:id="rId7"/>
-    <p:sldId id="261" r:id="rId8"/>
+    <p:sldId id="264" r:id="rId4"/>
+    <p:sldId id="258" r:id="rId5"/>
+    <p:sldId id="259" r:id="rId6"/>
+    <p:sldId id="262" r:id="rId7"/>
+    <p:sldId id="260" r:id="rId8"/>
+    <p:sldId id="261" r:id="rId9"/>
+    <p:sldId id="263" r:id="rId10"/>
   </p:sldIdLst>
   <p:sldSz cx="12192000" cy="6858000"/>
   <p:notesSz cx="6858000" cy="9144000"/>
@@ -118,6 +123,356 @@
 </p:presentation>
 </file>
 
+<file path=ppt/notesMasters/notesMaster1.xml><?xml version="1.0" encoding="utf-8"?>
+<p:notesMaster xmlns:a="http://schemas.openxmlformats.org/drawingml/2006/main" xmlns:r="http://schemas.openxmlformats.org/officeDocument/2006/relationships" xmlns:p="http://schemas.openxmlformats.org/presentationml/2006/main">
+  <p:cSld>
+    <p:bg>
+      <p:bgRef idx="1001">
+        <a:schemeClr val="bg1"/>
+      </p:bgRef>
+    </p:bg>
+    <p:spTree>
+      <p:nvGrpSpPr>
+        <p:cNvPr id="1" name=""/>
+        <p:cNvGrpSpPr/>
+        <p:nvPr/>
+      </p:nvGrpSpPr>
+      <p:grpSpPr>
+        <a:xfrm>
+          <a:off x="0" y="0"/>
+          <a:ext cx="0" cy="0"/>
+          <a:chOff x="0" y="0"/>
+          <a:chExt cx="0" cy="0"/>
+        </a:xfrm>
+      </p:grpSpPr>
+      <p:sp>
+        <p:nvSpPr>
+          <p:cNvPr id="2" name="Header Placeholder 1"/>
+          <p:cNvSpPr>
+            <a:spLocks noGrp="1"/>
+          </p:cNvSpPr>
+          <p:nvPr>
+            <p:ph type="hdr" sz="quarter"/>
+          </p:nvPr>
+        </p:nvSpPr>
+        <p:spPr>
+          <a:xfrm>
+            <a:off x="0" y="0"/>
+            <a:ext cx="2971800" cy="458788"/>
+          </a:xfrm>
+          <a:prstGeom prst="rect">
+            <a:avLst/>
+          </a:prstGeom>
+        </p:spPr>
+        <p:txBody>
+          <a:bodyPr vert="horz" lIns="91440" tIns="45720" rIns="91440" bIns="45720" rtlCol="0"/>
+          <a:lstStyle>
+            <a:lvl1pPr algn="l">
+              <a:defRPr sz="1200"/>
+            </a:lvl1pPr>
+          </a:lstStyle>
+          <a:p>
+            <a:endParaRPr lang="en-US"/>
+          </a:p>
+        </p:txBody>
+      </p:sp>
+      <p:sp>
+        <p:nvSpPr>
+          <p:cNvPr id="3" name="Date Placeholder 2"/>
+          <p:cNvSpPr>
+            <a:spLocks noGrp="1"/>
+          </p:cNvSpPr>
+          <p:nvPr>
+            <p:ph type="dt" idx="1"/>
+          </p:nvPr>
+        </p:nvSpPr>
+        <p:spPr>
+          <a:xfrm>
+            <a:off x="3884613" y="0"/>
+            <a:ext cx="2971800" cy="458788"/>
+          </a:xfrm>
+          <a:prstGeom prst="rect">
+            <a:avLst/>
+          </a:prstGeom>
+        </p:spPr>
+        <p:txBody>
+          <a:bodyPr vert="horz" lIns="91440" tIns="45720" rIns="91440" bIns="45720" rtlCol="0"/>
+          <a:lstStyle>
+            <a:lvl1pPr algn="r">
+              <a:defRPr sz="1200"/>
+            </a:lvl1pPr>
+          </a:lstStyle>
+          <a:p>
+            <a:fld id="{7474CCE6-5FC5-9544-BBE2-1B27983199F6}" type="datetimeFigureOut">
+              <a:rPr lang="en-US" smtClean="0"/>
+              <a:t>8/3/17</a:t>
+            </a:fld>
+            <a:endParaRPr lang="en-US"/>
+          </a:p>
+        </p:txBody>
+      </p:sp>
+      <p:sp>
+        <p:nvSpPr>
+          <p:cNvPr id="4" name="Slide Image Placeholder 3"/>
+          <p:cNvSpPr>
+            <a:spLocks noGrp="1" noRot="1" noChangeAspect="1"/>
+          </p:cNvSpPr>
+          <p:nvPr>
+            <p:ph type="sldImg" idx="2"/>
+          </p:nvPr>
+        </p:nvSpPr>
+        <p:spPr>
+          <a:xfrm>
+            <a:off x="685800" y="1143000"/>
+            <a:ext cx="5486400" cy="3086100"/>
+          </a:xfrm>
+          <a:prstGeom prst="rect">
+            <a:avLst/>
+          </a:prstGeom>
+          <a:noFill/>
+          <a:ln w="12700">
+            <a:solidFill>
+              <a:prstClr val="black"/>
+            </a:solidFill>
+          </a:ln>
+        </p:spPr>
+        <p:txBody>
+          <a:bodyPr vert="horz" lIns="91440" tIns="45720" rIns="91440" bIns="45720" rtlCol="0" anchor="ctr"/>
+          <a:lstStyle/>
+          <a:p>
+            <a:endParaRPr lang="en-US"/>
+          </a:p>
+        </p:txBody>
+      </p:sp>
+      <p:sp>
+        <p:nvSpPr>
+          <p:cNvPr id="5" name="Notes Placeholder 4"/>
+          <p:cNvSpPr>
+            <a:spLocks noGrp="1"/>
+          </p:cNvSpPr>
+          <p:nvPr>
+            <p:ph type="body" sz="quarter" idx="3"/>
+          </p:nvPr>
+        </p:nvSpPr>
+        <p:spPr>
+          <a:xfrm>
+            <a:off x="685800" y="4400550"/>
+            <a:ext cx="5486400" cy="3600450"/>
+          </a:xfrm>
+          <a:prstGeom prst="rect">
+            <a:avLst/>
+          </a:prstGeom>
+        </p:spPr>
+        <p:txBody>
+          <a:bodyPr vert="horz" lIns="91440" tIns="45720" rIns="91440" bIns="45720" rtlCol="0"/>
+          <a:lstStyle/>
+          <a:p>
+            <a:pPr lvl="0"/>
+            <a:r>
+              <a:rPr lang="en-US" smtClean="0"/>
+              <a:t>Click to edit Master text styles</a:t>
+            </a:r>
+          </a:p>
+          <a:p>
+            <a:pPr lvl="1"/>
+            <a:r>
+              <a:rPr lang="en-US" smtClean="0"/>
+              <a:t>Second level</a:t>
+            </a:r>
+          </a:p>
+          <a:p>
+            <a:pPr lvl="2"/>
+            <a:r>
+              <a:rPr lang="en-US" smtClean="0"/>
+              <a:t>Third level</a:t>
+            </a:r>
+          </a:p>
+          <a:p>
+            <a:pPr lvl="3"/>
+            <a:r>
+              <a:rPr lang="en-US" smtClean="0"/>
+              <a:t>Fourth level</a:t>
+            </a:r>
+          </a:p>
+          <a:p>
+            <a:pPr lvl="4"/>
+            <a:r>
+              <a:rPr lang="en-US" smtClean="0"/>
+              <a:t>Fifth level</a:t>
+            </a:r>
+            <a:endParaRPr lang="en-US"/>
+          </a:p>
+        </p:txBody>
+      </p:sp>
+      <p:sp>
+        <p:nvSpPr>
+          <p:cNvPr id="6" name="Footer Placeholder 5"/>
+          <p:cNvSpPr>
+            <a:spLocks noGrp="1"/>
+          </p:cNvSpPr>
+          <p:nvPr>
+            <p:ph type="ftr" sz="quarter" idx="4"/>
+          </p:nvPr>
+        </p:nvSpPr>
+        <p:spPr>
+          <a:xfrm>
+            <a:off x="0" y="8685213"/>
+            <a:ext cx="2971800" cy="458787"/>
+          </a:xfrm>
+          <a:prstGeom prst="rect">
+            <a:avLst/>
+          </a:prstGeom>
+        </p:spPr>
+        <p:txBody>
+          <a:bodyPr vert="horz" lIns="91440" tIns="45720" rIns="91440" bIns="45720" rtlCol="0" anchor="b"/>
+          <a:lstStyle>
+            <a:lvl1pPr algn="l">
+              <a:defRPr sz="1200"/>
+            </a:lvl1pPr>
+          </a:lstStyle>
+          <a:p>
+            <a:endParaRPr lang="en-US"/>
+          </a:p>
+        </p:txBody>
+      </p:sp>
+      <p:sp>
+        <p:nvSpPr>
+          <p:cNvPr id="7" name="Slide Number Placeholder 6"/>
+          <p:cNvSpPr>
+            <a:spLocks noGrp="1"/>
+          </p:cNvSpPr>
+          <p:nvPr>
+            <p:ph type="sldNum" sz="quarter" idx="5"/>
+          </p:nvPr>
+        </p:nvSpPr>
+        <p:spPr>
+          <a:xfrm>
+            <a:off x="3884613" y="8685213"/>
+            <a:ext cx="2971800" cy="458787"/>
+          </a:xfrm>
+          <a:prstGeom prst="rect">
+            <a:avLst/>
+          </a:prstGeom>
+        </p:spPr>
+        <p:txBody>
+          <a:bodyPr vert="horz" lIns="91440" tIns="45720" rIns="91440" bIns="45720" rtlCol="0" anchor="b"/>
+          <a:lstStyle>
+            <a:lvl1pPr algn="r">
+              <a:defRPr sz="1200"/>
+            </a:lvl1pPr>
+          </a:lstStyle>
+          <a:p>
+            <a:fld id="{56CE776E-324E-3C42-8D67-CE6038927902}" type="slidenum">
+              <a:rPr lang="en-US" smtClean="0"/>
+              <a:t>‹#›</a:t>
+            </a:fld>
+            <a:endParaRPr lang="en-US"/>
+          </a:p>
+        </p:txBody>
+      </p:sp>
+    </p:spTree>
+    <p:extLst>
+      <p:ext uri="{BB962C8B-B14F-4D97-AF65-F5344CB8AC3E}">
+        <p14:creationId xmlns:p14="http://schemas.microsoft.com/office/powerpoint/2010/main" val="494854853"/>
+      </p:ext>
+    </p:extLst>
+  </p:cSld>
+  <p:clrMap bg1="lt1" tx1="dk1" bg2="lt2" tx2="dk2" accent1="accent1" accent2="accent2" accent3="accent3" accent4="accent4" accent5="accent5" accent6="accent6" hlink="hlink" folHlink="folHlink"/>
+  <p:notesStyle>
+    <a:lvl1pPr marL="0" algn="l" defTabSz="914400" rtl="0" eaLnBrk="1" latinLnBrk="0" hangingPunct="1">
+      <a:defRPr sz="1200" kern="1200">
+        <a:solidFill>
+          <a:schemeClr val="tx1"/>
+        </a:solidFill>
+        <a:latin typeface="+mn-lt"/>
+        <a:ea typeface="+mn-ea"/>
+        <a:cs typeface="+mn-cs"/>
+      </a:defRPr>
+    </a:lvl1pPr>
+    <a:lvl2pPr marL="457200" algn="l" defTabSz="914400" rtl="0" eaLnBrk="1" latinLnBrk="0" hangingPunct="1">
+      <a:defRPr sz="1200" kern="1200">
+        <a:solidFill>
+          <a:schemeClr val="tx1"/>
+        </a:solidFill>
+        <a:latin typeface="+mn-lt"/>
+        <a:ea typeface="+mn-ea"/>
+        <a:cs typeface="+mn-cs"/>
+      </a:defRPr>
+    </a:lvl2pPr>
+    <a:lvl3pPr marL="914400" algn="l" defTabSz="914400" rtl="0" eaLnBrk="1" latinLnBrk="0" hangingPunct="1">
+      <a:defRPr sz="1200" kern="1200">
+        <a:solidFill>
+          <a:schemeClr val="tx1"/>
+        </a:solidFill>
+        <a:latin typeface="+mn-lt"/>
+        <a:ea typeface="+mn-ea"/>
+        <a:cs typeface="+mn-cs"/>
+      </a:defRPr>
+    </a:lvl3pPr>
+    <a:lvl4pPr marL="1371600" algn="l" defTabSz="914400" rtl="0" eaLnBrk="1" latinLnBrk="0" hangingPunct="1">
+      <a:defRPr sz="1200" kern="1200">
+        <a:solidFill>
+          <a:schemeClr val="tx1"/>
+        </a:solidFill>
+        <a:latin typeface="+mn-lt"/>
+        <a:ea typeface="+mn-ea"/>
+        <a:cs typeface="+mn-cs"/>
+      </a:defRPr>
+    </a:lvl4pPr>
+    <a:lvl5pPr marL="1828800" algn="l" defTabSz="914400" rtl="0" eaLnBrk="1" latinLnBrk="0" hangingPunct="1">
+      <a:defRPr sz="1200" kern="1200">
+        <a:solidFill>
+          <a:schemeClr val="tx1"/>
+        </a:solidFill>
+        <a:latin typeface="+mn-lt"/>
+        <a:ea typeface="+mn-ea"/>
+        <a:cs typeface="+mn-cs"/>
+      </a:defRPr>
+    </a:lvl5pPr>
+    <a:lvl6pPr marL="2286000" algn="l" defTabSz="914400" rtl="0" eaLnBrk="1" latinLnBrk="0" hangingPunct="1">
+      <a:defRPr sz="1200" kern="1200">
+        <a:solidFill>
+          <a:schemeClr val="tx1"/>
+        </a:solidFill>
+        <a:latin typeface="+mn-lt"/>
+        <a:ea typeface="+mn-ea"/>
+        <a:cs typeface="+mn-cs"/>
+      </a:defRPr>
+    </a:lvl6pPr>
+    <a:lvl7pPr marL="2743200" algn="l" defTabSz="914400" rtl="0" eaLnBrk="1" latinLnBrk="0" hangingPunct="1">
+      <a:defRPr sz="1200" kern="1200">
+        <a:solidFill>
+          <a:schemeClr val="tx1"/>
+        </a:solidFill>
+        <a:latin typeface="+mn-lt"/>
+        <a:ea typeface="+mn-ea"/>
+        <a:cs typeface="+mn-cs"/>
+      </a:defRPr>
+    </a:lvl7pPr>
+    <a:lvl8pPr marL="3200400" algn="l" defTabSz="914400" rtl="0" eaLnBrk="1" latinLnBrk="0" hangingPunct="1">
+      <a:defRPr sz="1200" kern="1200">
+        <a:solidFill>
+          <a:schemeClr val="tx1"/>
+        </a:solidFill>
+        <a:latin typeface="+mn-lt"/>
+        <a:ea typeface="+mn-ea"/>
+        <a:cs typeface="+mn-cs"/>
+      </a:defRPr>
+    </a:lvl8pPr>
+    <a:lvl9pPr marL="3657600" algn="l" defTabSz="914400" rtl="0" eaLnBrk="1" latinLnBrk="0" hangingPunct="1">
+      <a:defRPr sz="1200" kern="1200">
+        <a:solidFill>
+          <a:schemeClr val="tx1"/>
+        </a:solidFill>
+        <a:latin typeface="+mn-lt"/>
+        <a:ea typeface="+mn-ea"/>
+        <a:cs typeface="+mn-cs"/>
+      </a:defRPr>
+    </a:lvl9pPr>
+  </p:notesStyle>
+</p:notesMaster>
+</file>
+
 <file path=ppt/slideLayouts/slideLayout1.xml><?xml version="1.0" encoding="utf-8"?>
 <p:sldLayout xmlns:a="http://schemas.openxmlformats.org/drawingml/2006/main" xmlns:r="http://schemas.openxmlformats.org/officeDocument/2006/relationships" xmlns:p="http://schemas.openxmlformats.org/presentationml/2006/main" type="title" preserve="1">
   <p:cSld name="Title Slide">
@@ -250,7 +605,7 @@
             <a:fld id="{5923F103-BC34-4FE4-A40E-EDDEECFDA5D0}" type="datetimeFigureOut">
               <a:rPr lang="en-US" smtClean="0"/>
               <a:pPr/>
-              <a:t>8/1/17</a:t>
+              <a:t>8/3/17</a:t>
             </a:fld>
             <a:endParaRPr lang="en-US" dirty="0"/>
           </a:p>
@@ -416,7 +771,7 @@
           <a:p>
             <a:fld id="{53086D93-FCAC-47E0-A2EE-787E62CA814C}" type="datetimeFigureOut">
               <a:rPr lang="en-US" smtClean="0"/>
-              <a:t>8/1/17</a:t>
+              <a:t>8/3/17</a:t>
             </a:fld>
             <a:endParaRPr lang="en-US" dirty="0"/>
           </a:p>
@@ -592,7 +947,7 @@
           <a:p>
             <a:fld id="{CDA879A6-0FD0-4734-A311-86BFCA472E6E}" type="datetimeFigureOut">
               <a:rPr lang="en-US" smtClean="0"/>
-              <a:t>8/1/17</a:t>
+              <a:t>8/3/17</a:t>
             </a:fld>
             <a:endParaRPr lang="en-US" dirty="0"/>
           </a:p>
@@ -758,7 +1113,7 @@
           <a:p>
             <a:fld id="{19C9CA7B-DFD4-44B5-8C60-D14B8CD1FB59}" type="datetimeFigureOut">
               <a:rPr lang="en-US" smtClean="0"/>
-              <a:t>8/1/17</a:t>
+              <a:t>8/3/17</a:t>
             </a:fld>
             <a:endParaRPr lang="en-US" dirty="0"/>
           </a:p>
@@ -1000,7 +1355,7 @@
           <a:p>
             <a:fld id="{F34E6425-0181-43F2-84FC-787E803FD2F8}" type="datetimeFigureOut">
               <a:rPr lang="en-US" smtClean="0"/>
-              <a:t>8/1/17</a:t>
+              <a:t>8/3/17</a:t>
             </a:fld>
             <a:endParaRPr lang="en-US" dirty="0"/>
           </a:p>
@@ -1228,7 +1583,7 @@
           <a:p>
             <a:fld id="{3BDB8791-F1B0-41E7-B7FD-A781E65C4266}" type="datetimeFigureOut">
               <a:rPr lang="en-US" smtClean="0"/>
-              <a:t>8/1/17</a:t>
+              <a:t>8/3/17</a:t>
             </a:fld>
             <a:endParaRPr lang="en-US" dirty="0"/>
           </a:p>
@@ -1596,7 +1951,7 @@
           <a:p>
             <a:fld id="{5FDD63B2-E120-4ED8-B27B-C685F510A5FE}" type="datetimeFigureOut">
               <a:rPr lang="en-US" smtClean="0"/>
-              <a:t>8/1/17</a:t>
+              <a:t>8/3/17</a:t>
             </a:fld>
             <a:endParaRPr lang="en-US" dirty="0"/>
           </a:p>
@@ -1715,7 +2070,7 @@
           <a:p>
             <a:fld id="{7AA18ACC-A947-437B-A130-35BD54FDF1E9}" type="datetimeFigureOut">
               <a:rPr lang="en-US" smtClean="0"/>
-              <a:t>8/1/17</a:t>
+              <a:t>8/3/17</a:t>
             </a:fld>
             <a:endParaRPr lang="en-US" dirty="0"/>
           </a:p>
@@ -1806,7 +2161,7 @@
           <a:p>
             <a:fld id="{7C8D7E02-BCB8-4D50-A234-369438C08659}" type="datetimeFigureOut">
               <a:rPr lang="en-US" smtClean="0"/>
-              <a:t>8/1/17</a:t>
+              <a:t>8/3/17</a:t>
             </a:fld>
             <a:endParaRPr lang="en-US" dirty="0"/>
           </a:p>
@@ -2079,7 +2434,7 @@
           <a:p>
             <a:fld id="{76E86A4C-8E40-4F87-A4F0-01A0687C5742}" type="datetimeFigureOut">
               <a:rPr lang="en-US" smtClean="0"/>
-              <a:t>8/1/17</a:t>
+              <a:t>8/3/17</a:t>
             </a:fld>
             <a:endParaRPr lang="en-US" dirty="0"/>
           </a:p>
@@ -2333,7 +2688,7 @@
           <a:p>
             <a:fld id="{35E72C73-2D91-4E12-BA25-F0AA0C03599B}" type="datetimeFigureOut">
               <a:rPr lang="en-US" smtClean="0"/>
-              <a:t>8/1/17</a:t>
+              <a:t>8/3/17</a:t>
             </a:fld>
             <a:endParaRPr lang="en-US" dirty="0"/>
           </a:p>
@@ -2542,7 +2897,7 @@
           <a:p>
             <a:fld id="{2BE451C3-0FF4-47C4-B829-773ADF60F88C}" type="datetimeFigureOut">
               <a:rPr lang="en-US" smtClean="0"/>
-              <a:t>8/1/17</a:t>
+              <a:t>8/3/17</a:t>
             </a:fld>
             <a:endParaRPr lang="en-US" dirty="0"/>
           </a:p>
@@ -3144,7 +3499,7 @@
           <a:p>
             <a:r>
               <a:rPr lang="en-US" dirty="0" smtClean="0"/>
-              <a:t>Kernel</a:t>
+              <a:t>Advantages</a:t>
             </a:r>
             <a:endParaRPr lang="en-US" dirty="0"/>
           </a:p>
@@ -3167,41 +3522,28 @@
           <a:p>
             <a:r>
               <a:rPr lang="en-US" dirty="0" smtClean="0"/>
-              <a:t>Kernel type </a:t>
-            </a:r>
-            <a:r>
-              <a:rPr lang="mr-IN" dirty="0" smtClean="0"/>
-              <a:t>–</a:t>
-            </a:r>
+              <a:t>Simpler to understand, transparent model</a:t>
+            </a:r>
+          </a:p>
+          <a:p>
             <a:r>
               <a:rPr lang="en-US" dirty="0" smtClean="0"/>
-              <a:t> RBF, </a:t>
-            </a:r>
-            <a:r>
-              <a:rPr lang="en-US" dirty="0" smtClean="0">
-                <a:hlinkClick r:id="rId2"/>
-              </a:rPr>
-              <a:t>Polynomial</a:t>
-            </a:r>
-            <a:r>
-              <a:rPr lang="mr-IN" dirty="0" smtClean="0"/>
-              <a:t>…</a:t>
-            </a:r>
-            <a:endParaRPr lang="en-US" dirty="0" smtClean="0"/>
+              <a:t>Tweaking tangible parameters to get output</a:t>
+            </a:r>
           </a:p>
           <a:p>
             <a:r>
               <a:rPr lang="en-US" dirty="0" smtClean="0"/>
-              <a:t>Kernel trick </a:t>
-            </a:r>
-            <a:r>
-              <a:rPr lang="mr-IN" dirty="0" smtClean="0"/>
-              <a:t>–</a:t>
-            </a:r>
+              <a:t>Methods exists to auto tune on needed parameters for purpose</a:t>
+            </a:r>
+          </a:p>
+          <a:p>
             <a:r>
               <a:rPr lang="en-US" dirty="0" smtClean="0"/>
-              <a:t> Matrix vectors with GPU</a:t>
-            </a:r>
+              <a:t>Widely used</a:t>
+            </a:r>
+          </a:p>
+          <a:p>
             <a:endParaRPr lang="en-US" dirty="0"/>
           </a:p>
         </p:txBody>
@@ -3209,20 +3551,13 @@
     </p:spTree>
     <p:extLst>
       <p:ext uri="{BB962C8B-B14F-4D97-AF65-F5344CB8AC3E}">
-        <p14:creationId xmlns:p14="http://schemas.microsoft.com/office/powerpoint/2010/main" val="987377350"/>
+        <p14:creationId xmlns:p14="http://schemas.microsoft.com/office/powerpoint/2010/main" val="534195778"/>
       </p:ext>
     </p:extLst>
   </p:cSld>
   <p:clrMapOvr>
     <a:masterClrMapping/>
   </p:clrMapOvr>
-  <p:timing>
-    <p:tnLst>
-      <p:par>
-        <p:cTn id="1" dur="indefinite" restart="never" nodeType="tmRoot"/>
-      </p:par>
-    </p:tnLst>
-  </p:timing>
 </p:sld>
 </file>
 
@@ -3259,187 +3594,73 @@
           <a:lstStyle/>
           <a:p>
             <a:r>
-              <a:rPr lang="en-US" dirty="0">
-                <a:ln>
-                  <a:solidFill>
-                    <a:srgbClr val="00F090">
-                      <a:alpha val="46000"/>
-                    </a:srgbClr>
-                  </a:solidFill>
-                </a:ln>
-                <a:solidFill>
-                  <a:schemeClr val="tx1"/>
-                </a:solidFill>
-                <a:latin typeface="Copperplate" charset="0"/>
-                <a:ea typeface="Copperplate" charset="0"/>
-                <a:cs typeface="Copperplate" charset="0"/>
+              <a:rPr lang="en-US" dirty="0" smtClean="0"/>
+              <a:t>Kernel</a:t>
+            </a:r>
+            <a:endParaRPr lang="en-US" dirty="0"/>
+          </a:p>
+        </p:txBody>
+      </p:sp>
+      <p:sp>
+        <p:nvSpPr>
+          <p:cNvPr id="3" name="Content Placeholder 2"/>
+          <p:cNvSpPr>
+            <a:spLocks noGrp="1"/>
+          </p:cNvSpPr>
+          <p:nvPr>
+            <p:ph idx="1"/>
+          </p:nvPr>
+        </p:nvSpPr>
+        <p:spPr/>
+        <p:txBody>
+          <a:bodyPr/>
+          <a:lstStyle/>
+          <a:p>
+            <a:r>
+              <a:rPr lang="en-US" dirty="0" smtClean="0"/>
+              <a:t>Kernel type </a:t>
+            </a:r>
+            <a:r>
+              <a:rPr lang="mr-IN" dirty="0" smtClean="0"/>
+              <a:t>–</a:t>
+            </a:r>
+            <a:r>
+              <a:rPr lang="en-US" dirty="0" smtClean="0"/>
+              <a:t> RBF, </a:t>
+            </a:r>
+            <a:r>
+              <a:rPr lang="en-US" dirty="0" smtClean="0">
                 <a:hlinkClick r:id="rId2"/>
               </a:rPr>
-              <a:t>The code</a:t>
-            </a:r>
-            <a:endParaRPr lang="en-US" dirty="0">
-              <a:ln>
-                <a:solidFill>
-                  <a:srgbClr val="00F090">
-                    <a:alpha val="46000"/>
-                  </a:srgbClr>
-                </a:solidFill>
-              </a:ln>
-              <a:solidFill>
-                <a:schemeClr val="tx1"/>
-              </a:solidFill>
-              <a:latin typeface="Copperplate" charset="0"/>
-              <a:ea typeface="Copperplate" charset="0"/>
-              <a:cs typeface="Copperplate" charset="0"/>
-            </a:endParaRPr>
-          </a:p>
-        </p:txBody>
-      </p:sp>
-      <p:sp>
-        <p:nvSpPr>
-          <p:cNvPr id="3" name="Content Placeholder 2"/>
-          <p:cNvSpPr>
-            <a:spLocks noGrp="1"/>
-          </p:cNvSpPr>
-          <p:nvPr>
-            <p:ph idx="1"/>
-          </p:nvPr>
-        </p:nvSpPr>
-        <p:spPr>
-          <a:xfrm>
-            <a:off x="1332000" y="2603500"/>
-            <a:ext cx="8825659" cy="3416300"/>
-          </a:xfrm>
-          <a:noFill/>
-          <a:effectLst>
-            <a:glow rad="127000">
-              <a:srgbClr val="00B050"/>
-            </a:glow>
-            <a:reflection blurRad="6350" stA="50000" endA="300" endPos="90000" dist="50800" dir="5400000" sy="-100000" algn="bl" rotWithShape="0"/>
-          </a:effectLst>
-          <a:scene3d>
-            <a:camera prst="isometricOffAxis2Right">
-              <a:rot lat="1800000" lon="0" rev="0"/>
-            </a:camera>
-            <a:lightRig rig="threePt" dir="t"/>
-          </a:scene3d>
-        </p:spPr>
-        <p:txBody>
-          <a:bodyPr/>
-          <a:lstStyle/>
-          <a:p>
-            <a:r>
-              <a:rPr lang="en-US" dirty="0" smtClean="0">
-                <a:ln>
-                  <a:solidFill>
-                    <a:srgbClr val="00F090">
-                      <a:alpha val="46000"/>
-                    </a:srgbClr>
-                  </a:solidFill>
-                </a:ln>
-                <a:solidFill>
-                  <a:schemeClr val="tx1"/>
-                </a:solidFill>
-                <a:latin typeface="Copperplate" charset="0"/>
-                <a:ea typeface="Copperplate" charset="0"/>
-                <a:cs typeface="Copperplate" charset="0"/>
-                <a:hlinkClick r:id="rId3"/>
-              </a:rPr>
-              <a:t>Mushroom dataset</a:t>
-            </a:r>
-            <a:endParaRPr lang="en-US" dirty="0">
-              <a:ln>
-                <a:solidFill>
-                  <a:srgbClr val="00F090">
-                    <a:alpha val="46000"/>
-                  </a:srgbClr>
-                </a:solidFill>
-              </a:ln>
-              <a:solidFill>
-                <a:schemeClr val="tx1"/>
-              </a:solidFill>
-              <a:latin typeface="Copperplate" charset="0"/>
-              <a:ea typeface="Copperplate" charset="0"/>
-              <a:cs typeface="Copperplate" charset="0"/>
-            </a:endParaRPr>
-          </a:p>
-          <a:p>
-            <a:r>
-              <a:rPr lang="en-US" dirty="0" smtClean="0">
-                <a:ln>
-                  <a:solidFill>
-                    <a:srgbClr val="00F090">
-                      <a:alpha val="46000"/>
-                    </a:srgbClr>
-                  </a:solidFill>
-                </a:ln>
-                <a:solidFill>
-                  <a:schemeClr val="tx1"/>
-                </a:solidFill>
-                <a:latin typeface="Copperplate" charset="0"/>
-                <a:ea typeface="Copperplate" charset="0"/>
-                <a:cs typeface="Copperplate" charset="0"/>
-                <a:hlinkClick r:id="rId4"/>
-              </a:rPr>
-              <a:t>Credit Card Fraud Dataset</a:t>
-            </a:r>
-            <a:endParaRPr lang="en-US" dirty="0" smtClean="0">
-              <a:ln>
-                <a:solidFill>
-                  <a:srgbClr val="00F090">
-                    <a:alpha val="46000"/>
-                  </a:srgbClr>
-                </a:solidFill>
-              </a:ln>
-              <a:solidFill>
-                <a:schemeClr val="tx1"/>
-              </a:solidFill>
-              <a:latin typeface="Copperplate" charset="0"/>
-              <a:ea typeface="Copperplate" charset="0"/>
-              <a:cs typeface="Copperplate" charset="0"/>
-            </a:endParaRPr>
-          </a:p>
-          <a:p>
-            <a:r>
-              <a:rPr lang="en-US" dirty="0" smtClean="0">
-                <a:ln>
-                  <a:solidFill>
-                    <a:srgbClr val="00F090">
-                      <a:alpha val="46000"/>
-                    </a:srgbClr>
-                  </a:solidFill>
-                </a:ln>
-                <a:solidFill>
-                  <a:schemeClr val="tx1"/>
-                </a:solidFill>
-                <a:latin typeface="Copperplate" charset="0"/>
-                <a:ea typeface="Copperplate" charset="0"/>
-                <a:cs typeface="Copperplate" charset="0"/>
-              </a:rPr>
-              <a:t>Visualizations</a:t>
-            </a:r>
-            <a:endParaRPr lang="en-US" dirty="0">
-              <a:ln>
-                <a:solidFill>
-                  <a:srgbClr val="00F090">
-                    <a:alpha val="46000"/>
-                  </a:srgbClr>
-                </a:solidFill>
-              </a:ln>
-              <a:solidFill>
-                <a:schemeClr val="tx1"/>
-              </a:solidFill>
-              <a:latin typeface="Copperplate" charset="0"/>
-              <a:ea typeface="Copperplate" charset="0"/>
-              <a:cs typeface="Copperplate" charset="0"/>
-            </a:endParaRPr>
+              <a:t>Polynomial</a:t>
+            </a:r>
+            <a:r>
+              <a:rPr lang="mr-IN" dirty="0" smtClean="0"/>
+              <a:t>…</a:t>
+            </a:r>
+            <a:endParaRPr lang="en-US" dirty="0" smtClean="0"/>
+          </a:p>
+          <a:p>
+            <a:r>
+              <a:rPr lang="en-US" dirty="0" smtClean="0"/>
+              <a:t>Kernel trick </a:t>
+            </a:r>
+            <a:r>
+              <a:rPr lang="mr-IN" dirty="0" smtClean="0"/>
+              <a:t>–</a:t>
+            </a:r>
+            <a:r>
+              <a:rPr lang="en-US" dirty="0" smtClean="0"/>
+              <a:t> Matrix vectors(vectorization) with GPU(or some special hardware like CUDA) supporting operations at microprocessor level.</a:t>
+            </a:r>
+            <a:endParaRPr lang="en-US" dirty="0"/>
           </a:p>
         </p:txBody>
       </p:sp>
     </p:spTree>
     <p:extLst>
       <p:ext uri="{BB962C8B-B14F-4D97-AF65-F5344CB8AC3E}">
-        <p14:creationId xmlns:p14="http://schemas.microsoft.com/office/powerpoint/2010/main" val="272430142"/>
+        <p14:creationId xmlns:p14="http://schemas.microsoft.com/office/powerpoint/2010/main" val="987377350"/>
       </p:ext>
     </p:extLst>
   </p:cSld>
@@ -3489,10 +3710,58 @@
           <a:lstStyle/>
           <a:p>
             <a:r>
-              <a:rPr lang="en-US" dirty="0" smtClean="0"/>
-              <a:t>5Ws1H</a:t>
-            </a:r>
-            <a:endParaRPr lang="en-US" dirty="0"/>
+              <a:rPr lang="en-US" dirty="0">
+                <a:ln>
+                  <a:solidFill>
+                    <a:srgbClr val="00F090">
+                      <a:alpha val="46000"/>
+                    </a:srgbClr>
+                  </a:solidFill>
+                </a:ln>
+                <a:solidFill>
+                  <a:schemeClr val="tx1"/>
+                </a:solidFill>
+                <a:latin typeface="Copperplate" charset="0"/>
+                <a:ea typeface="Copperplate" charset="0"/>
+                <a:cs typeface="Copperplate" charset="0"/>
+                <a:hlinkClick r:id="rId2"/>
+              </a:rPr>
+              <a:t>The </a:t>
+            </a:r>
+            <a:r>
+              <a:rPr lang="en-US" dirty="0" smtClean="0">
+                <a:ln>
+                  <a:solidFill>
+                    <a:srgbClr val="00F090">
+                      <a:alpha val="46000"/>
+                    </a:srgbClr>
+                  </a:solidFill>
+                </a:ln>
+                <a:solidFill>
+                  <a:schemeClr val="tx1"/>
+                </a:solidFill>
+                <a:latin typeface="Copperplate" charset="0"/>
+                <a:ea typeface="Copperplate" charset="0"/>
+                <a:cs typeface="Copperplate" charset="0"/>
+                <a:hlinkClick r:id="rId2"/>
+              </a:rPr>
+              <a:t>code</a:t>
+            </a:r>
+            <a:endParaRPr lang="en-US" dirty="0">
+              <a:ln>
+                <a:solidFill>
+                  <a:srgbClr val="00F090">
+                    <a:alpha val="46000"/>
+                  </a:srgbClr>
+                </a:solidFill>
+              </a:ln>
+              <a:solidFill>
+                <a:schemeClr val="tx1"/>
+              </a:solidFill>
+              <a:latin typeface="Copperplate" charset="0"/>
+              <a:ea typeface="Copperplate" charset="0"/>
+              <a:cs typeface="Copperplate" charset="0"/>
+            </a:endParaRPr>
           </a:p>
         </p:txBody>
       </p:sp>
@@ -3506,40 +3775,181 @@
             <p:ph idx="1"/>
           </p:nvPr>
         </p:nvSpPr>
-        <p:spPr/>
-        <p:txBody>
-          <a:bodyPr/>
-          <a:lstStyle/>
-          <a:p>
-            <a:r>
-              <a:rPr lang="en-US" dirty="0" smtClean="0"/>
-              <a:t>Mobile users generate data</a:t>
-            </a:r>
-            <a:endParaRPr lang="en-US" dirty="0"/>
-          </a:p>
-          <a:p>
-            <a:r>
-              <a:rPr lang="en-US" dirty="0" smtClean="0"/>
-              <a:t>Image </a:t>
-            </a:r>
-            <a:r>
-              <a:rPr lang="en-US" dirty="0" smtClean="0"/>
-              <a:t>processing - Satellites</a:t>
-            </a:r>
-            <a:endParaRPr lang="en-US" dirty="0" smtClean="0"/>
-          </a:p>
-          <a:p>
-            <a:r>
-              <a:rPr lang="en-US" dirty="0" smtClean="0"/>
-              <a:t>Countries with lower populations</a:t>
-            </a:r>
+        <p:spPr>
+          <a:xfrm>
+            <a:off x="1332000" y="2603500"/>
+            <a:ext cx="8825659" cy="3416300"/>
+          </a:xfrm>
+          <a:noFill/>
+          <a:effectLst>
+            <a:glow rad="127000">
+              <a:srgbClr val="00B050"/>
+            </a:glow>
+            <a:reflection blurRad="6350" stA="50000" endA="300" endPos="90000" dist="50800" dir="5400000" sy="-100000" algn="bl" rotWithShape="0"/>
+          </a:effectLst>
+          <a:scene3d>
+            <a:camera prst="isometricOffAxis2Right">
+              <a:rot lat="1800000" lon="0" rev="0"/>
+            </a:camera>
+            <a:lightRig rig="threePt" dir="t"/>
+          </a:scene3d>
+        </p:spPr>
+        <p:txBody>
+          <a:bodyPr/>
+          <a:lstStyle/>
+          <a:p>
+            <a:r>
+              <a:rPr lang="en-US" dirty="0" smtClean="0">
+                <a:ln>
+                  <a:solidFill>
+                    <a:srgbClr val="00F090">
+                      <a:alpha val="46000"/>
+                    </a:srgbClr>
+                  </a:solidFill>
+                </a:ln>
+                <a:solidFill>
+                  <a:schemeClr val="tx1"/>
+                </a:solidFill>
+                <a:latin typeface="Al Bayan Plain" charset="-78"/>
+                <a:ea typeface="Al Bayan Plain" charset="-78"/>
+                <a:cs typeface="Al Bayan Plain" charset="-78"/>
+                <a:hlinkClick r:id="rId3"/>
+              </a:rPr>
+              <a:t>github.com/devssh/svm</a:t>
+            </a:r>
+          </a:p>
+          <a:p>
+            <a:r>
+              <a:rPr lang="en-US" dirty="0" smtClean="0">
+                <a:ln>
+                  <a:solidFill>
+                    <a:srgbClr val="00F090">
+                      <a:alpha val="46000"/>
+                    </a:srgbClr>
+                  </a:solidFill>
+                </a:ln>
+                <a:solidFill>
+                  <a:schemeClr val="tx1"/>
+                </a:solidFill>
+                <a:latin typeface="Copperplate" charset="0"/>
+                <a:ea typeface="Copperplate" charset="0"/>
+                <a:cs typeface="Copperplate" charset="0"/>
+                <a:hlinkClick r:id="rId3"/>
+              </a:rPr>
+              <a:t>Mushroom </a:t>
+            </a:r>
+            <a:r>
+              <a:rPr lang="en-US" dirty="0" smtClean="0">
+                <a:ln>
+                  <a:solidFill>
+                    <a:srgbClr val="00F090">
+                      <a:alpha val="46000"/>
+                    </a:srgbClr>
+                  </a:solidFill>
+                </a:ln>
+                <a:solidFill>
+                  <a:schemeClr val="tx1"/>
+                </a:solidFill>
+                <a:latin typeface="Copperplate" charset="0"/>
+                <a:ea typeface="Copperplate" charset="0"/>
+                <a:cs typeface="Copperplate" charset="0"/>
+                <a:hlinkClick r:id="rId3"/>
+              </a:rPr>
+              <a:t>dataset</a:t>
+            </a:r>
+            <a:endParaRPr lang="en-US" dirty="0">
+              <a:ln>
+                <a:solidFill>
+                  <a:srgbClr val="00F090">
+                    <a:alpha val="46000"/>
+                  </a:srgbClr>
+                </a:solidFill>
+              </a:ln>
+              <a:solidFill>
+                <a:schemeClr val="tx1"/>
+              </a:solidFill>
+              <a:latin typeface="Copperplate" charset="0"/>
+              <a:ea typeface="Copperplate" charset="0"/>
+              <a:cs typeface="Copperplate" charset="0"/>
+            </a:endParaRPr>
+          </a:p>
+          <a:p>
+            <a:r>
+              <a:rPr lang="en-US" dirty="0" smtClean="0">
+                <a:ln>
+                  <a:solidFill>
+                    <a:srgbClr val="00F090">
+                      <a:alpha val="46000"/>
+                    </a:srgbClr>
+                  </a:solidFill>
+                </a:ln>
+                <a:solidFill>
+                  <a:schemeClr val="tx1"/>
+                </a:solidFill>
+                <a:latin typeface="Copperplate" charset="0"/>
+                <a:ea typeface="Copperplate" charset="0"/>
+                <a:cs typeface="Copperplate" charset="0"/>
+                <a:hlinkClick r:id="rId4"/>
+              </a:rPr>
+              <a:t>Credit Card Fraud Dataset</a:t>
+            </a:r>
+            <a:endParaRPr lang="en-US" dirty="0" smtClean="0">
+              <a:ln>
+                <a:solidFill>
+                  <a:srgbClr val="00F090">
+                    <a:alpha val="46000"/>
+                  </a:srgbClr>
+                </a:solidFill>
+              </a:ln>
+              <a:solidFill>
+                <a:schemeClr val="tx1"/>
+              </a:solidFill>
+              <a:latin typeface="Copperplate" charset="0"/>
+              <a:ea typeface="Copperplate" charset="0"/>
+              <a:cs typeface="Copperplate" charset="0"/>
+            </a:endParaRPr>
+          </a:p>
+          <a:p>
+            <a:r>
+              <a:rPr lang="en-US" dirty="0" smtClean="0">
+                <a:ln>
+                  <a:solidFill>
+                    <a:srgbClr val="00F090">
+                      <a:alpha val="46000"/>
+                    </a:srgbClr>
+                  </a:solidFill>
+                </a:ln>
+                <a:solidFill>
+                  <a:schemeClr val="tx1"/>
+                </a:solidFill>
+                <a:latin typeface="Copperplate" charset="0"/>
+                <a:ea typeface="Copperplate" charset="0"/>
+                <a:cs typeface="Copperplate" charset="0"/>
+              </a:rPr>
+              <a:t>Visualizations</a:t>
+            </a:r>
+            <a:endParaRPr lang="en-US" dirty="0">
+              <a:ln>
+                <a:solidFill>
+                  <a:srgbClr val="00F090">
+                    <a:alpha val="46000"/>
+                  </a:srgbClr>
+                </a:solidFill>
+              </a:ln>
+              <a:solidFill>
+                <a:schemeClr val="tx1"/>
+              </a:solidFill>
+              <a:latin typeface="Copperplate" charset="0"/>
+              <a:ea typeface="Copperplate" charset="0"/>
+              <a:cs typeface="Copperplate" charset="0"/>
+            </a:endParaRPr>
           </a:p>
         </p:txBody>
       </p:sp>
     </p:spTree>
     <p:extLst>
       <p:ext uri="{BB962C8B-B14F-4D97-AF65-F5344CB8AC3E}">
-        <p14:creationId xmlns:p14="http://schemas.microsoft.com/office/powerpoint/2010/main" val="1176347514"/>
+        <p14:creationId xmlns:p14="http://schemas.microsoft.com/office/powerpoint/2010/main" val="272430142"/>
       </p:ext>
     </p:extLst>
   </p:cSld>
@@ -3590,7 +4000,7 @@
           <a:p>
             <a:r>
               <a:rPr lang="en-US" dirty="0" smtClean="0"/>
-              <a:t>Baseline accuracy</a:t>
+              <a:t>5Ws1H</a:t>
             </a:r>
             <a:endParaRPr lang="en-US" dirty="0"/>
           </a:p>
@@ -3613,20 +4023,37 @@
           <a:p>
             <a:r>
               <a:rPr lang="en-US" dirty="0" smtClean="0"/>
-              <a:t>Dummy classifiers</a:t>
-            </a:r>
+              <a:t>Mobile users generate more data than ever</a:t>
+            </a:r>
+            <a:endParaRPr lang="en-US" dirty="0"/>
+          </a:p>
+          <a:p>
             <a:r>
               <a:rPr lang="en-US" dirty="0" smtClean="0"/>
-              <a:t>/ regressors</a:t>
-            </a:r>
-            <a:endParaRPr lang="en-US" dirty="0"/>
+              <a:t>Image processing - Satellites, Google Maps, Detect hostile targets</a:t>
+            </a:r>
+          </a:p>
+          <a:p>
+            <a:r>
+              <a:rPr lang="en-US" dirty="0" smtClean="0"/>
+              <a:t>Countries with lower populations use SVMs to reduce manual labor</a:t>
+            </a:r>
+          </a:p>
+          <a:p>
+            <a:r>
+              <a:rPr lang="en-US" dirty="0" smtClean="0"/>
+              <a:t>Anomaly detection - Credit card fraud detection, classification, regression.</a:t>
+            </a:r>
+          </a:p>
+          <a:p>
+            <a:endParaRPr lang="en-US" dirty="0" smtClean="0"/>
           </a:p>
         </p:txBody>
       </p:sp>
     </p:spTree>
     <p:extLst>
       <p:ext uri="{BB962C8B-B14F-4D97-AF65-F5344CB8AC3E}">
-        <p14:creationId xmlns:p14="http://schemas.microsoft.com/office/powerpoint/2010/main" val="15839100"/>
+        <p14:creationId xmlns:p14="http://schemas.microsoft.com/office/powerpoint/2010/main" val="1176347514"/>
       </p:ext>
     </p:extLst>
   </p:cSld>
@@ -3677,6 +4104,95 @@
           <a:p>
             <a:r>
               <a:rPr lang="en-US" dirty="0" smtClean="0"/>
+              <a:t>Baseline accuracy</a:t>
+            </a:r>
+            <a:endParaRPr lang="en-US" dirty="0"/>
+          </a:p>
+        </p:txBody>
+      </p:sp>
+      <p:sp>
+        <p:nvSpPr>
+          <p:cNvPr id="3" name="Content Placeholder 2"/>
+          <p:cNvSpPr>
+            <a:spLocks noGrp="1"/>
+          </p:cNvSpPr>
+          <p:nvPr>
+            <p:ph idx="1"/>
+          </p:nvPr>
+        </p:nvSpPr>
+        <p:spPr/>
+        <p:txBody>
+          <a:bodyPr/>
+          <a:lstStyle/>
+          <a:p>
+            <a:r>
+              <a:rPr lang="en-US" dirty="0" smtClean="0"/>
+              <a:t>Dummy classifiers/ regressors</a:t>
+            </a:r>
+          </a:p>
+          <a:p>
+            <a:r>
+              <a:rPr lang="en-US" dirty="0" smtClean="0"/>
+              <a:t>Normalize its performance based on bias in Dataset</a:t>
+            </a:r>
+            <a:endParaRPr lang="en-US" dirty="0"/>
+          </a:p>
+        </p:txBody>
+      </p:sp>
+    </p:spTree>
+    <p:extLst>
+      <p:ext uri="{BB962C8B-B14F-4D97-AF65-F5344CB8AC3E}">
+        <p14:creationId xmlns:p14="http://schemas.microsoft.com/office/powerpoint/2010/main" val="15839100"/>
+      </p:ext>
+    </p:extLst>
+  </p:cSld>
+  <p:clrMapOvr>
+    <a:masterClrMapping/>
+  </p:clrMapOvr>
+  <p:timing>
+    <p:tnLst>
+      <p:par>
+        <p:cTn id="1" dur="indefinite" restart="never" nodeType="tmRoot"/>
+      </p:par>
+    </p:tnLst>
+  </p:timing>
+</p:sld>
+</file>
+
+<file path=ppt/slides/slide8.xml><?xml version="1.0" encoding="utf-8"?>
+<p:sld xmlns:a="http://schemas.openxmlformats.org/drawingml/2006/main" xmlns:r="http://schemas.openxmlformats.org/officeDocument/2006/relationships" xmlns:p="http://schemas.openxmlformats.org/presentationml/2006/main">
+  <p:cSld>
+    <p:spTree>
+      <p:nvGrpSpPr>
+        <p:cNvPr id="1" name=""/>
+        <p:cNvGrpSpPr/>
+        <p:nvPr/>
+      </p:nvGrpSpPr>
+      <p:grpSpPr>
+        <a:xfrm>
+          <a:off x="0" y="0"/>
+          <a:ext cx="0" cy="0"/>
+          <a:chOff x="0" y="0"/>
+          <a:chExt cx="0" cy="0"/>
+        </a:xfrm>
+      </p:grpSpPr>
+      <p:sp>
+        <p:nvSpPr>
+          <p:cNvPr id="2" name="Title 1"/>
+          <p:cNvSpPr>
+            <a:spLocks noGrp="1"/>
+          </p:cNvSpPr>
+          <p:nvPr>
+            <p:ph type="title"/>
+          </p:nvPr>
+        </p:nvSpPr>
+        <p:spPr/>
+        <p:txBody>
+          <a:bodyPr/>
+          <a:lstStyle/>
+          <a:p>
+            <a:r>
+              <a:rPr lang="en-US" dirty="0" smtClean="0"/>
               <a:t>Tuning </a:t>
             </a:r>
             <a:r>
@@ -3685,7 +4201,13 @@
             </a:r>
             <a:r>
               <a:rPr lang="en-US" dirty="0" smtClean="0"/>
-              <a:t> Confusion Matrix</a:t>
+              <a:t> </a:t>
+            </a:r>
+            <a:r>
+              <a:rPr lang="en-US" dirty="0" smtClean="0">
+                <a:hlinkClick r:id="rId2"/>
+              </a:rPr>
+              <a:t>Confusion Matrix</a:t>
             </a:r>
             <a:endParaRPr lang="en-US" dirty="0"/>
           </a:p>
@@ -3708,7 +4230,15 @@
           <a:p>
             <a:r>
               <a:rPr lang="en-US" dirty="0" smtClean="0"/>
-              <a:t>Precision - Test for Disease</a:t>
+              <a:t>Precision - Test for Disease </a:t>
+            </a:r>
+            <a:r>
+              <a:rPr lang="en-US" dirty="0"/>
+              <a:t>-</a:t>
+            </a:r>
+            <a:r>
+              <a:rPr lang="en-US" dirty="0" smtClean="0"/>
+              <a:t> Reduce False Positives</a:t>
             </a:r>
           </a:p>
           <a:p>
@@ -3722,19 +4252,55 @@
             </a:r>
             <a:r>
               <a:rPr lang="en-US" dirty="0" smtClean="0"/>
-              <a:t> Catch criminals</a:t>
+              <a:t> Catch criminals - Reduce FP and FN</a:t>
             </a:r>
           </a:p>
           <a:p>
             <a:r>
               <a:rPr lang="en-US" dirty="0" smtClean="0"/>
-              <a:t>Recall</a:t>
+              <a:t>Recall </a:t>
+            </a:r>
+            <a:r>
+              <a:rPr lang="en-US" dirty="0"/>
+              <a:t>-</a:t>
+            </a:r>
+            <a:r>
+              <a:rPr lang="en-US" dirty="0" smtClean="0"/>
+              <a:t> Manufacturing line defect </a:t>
+            </a:r>
+            <a:r>
+              <a:rPr lang="mr-IN" dirty="0" smtClean="0"/>
+              <a:t>–</a:t>
+            </a:r>
+            <a:r>
+              <a:rPr lang="en-US" dirty="0" smtClean="0"/>
+              <a:t> Reduce False Negatives </a:t>
             </a:r>
           </a:p>
           <a:p>
             <a:r>
               <a:rPr lang="en-US" dirty="0" smtClean="0"/>
               <a:t>F1</a:t>
+            </a:r>
+          </a:p>
+          <a:p>
+            <a:r>
+              <a:rPr lang="en-US" dirty="0" smtClean="0"/>
+              <a:t>ROC_AUC - Receiver </a:t>
+            </a:r>
+            <a:r>
+              <a:rPr lang="en-US" dirty="0"/>
+              <a:t>O</a:t>
+            </a:r>
+            <a:r>
+              <a:rPr lang="en-US" dirty="0" smtClean="0"/>
+              <a:t>perating Characteristic Area Under Curve</a:t>
+            </a:r>
+          </a:p>
+          <a:p>
+            <a:r>
+              <a:rPr lang="en-US" dirty="0" smtClean="0"/>
+              <a:t>And many more in docs</a:t>
             </a:r>
             <a:endParaRPr lang="en-US" dirty="0"/>
           </a:p>
@@ -3757,6 +4323,65 @@
       </p:par>
     </p:tnLst>
   </p:timing>
+</p:sld>
+</file>
+
+<file path=ppt/slides/slide9.xml><?xml version="1.0" encoding="utf-8"?>
+<p:sld xmlns:a="http://schemas.openxmlformats.org/drawingml/2006/main" xmlns:r="http://schemas.openxmlformats.org/officeDocument/2006/relationships" xmlns:p="http://schemas.openxmlformats.org/presentationml/2006/main">
+  <p:cSld>
+    <p:spTree>
+      <p:nvGrpSpPr>
+        <p:cNvPr id="1" name=""/>
+        <p:cNvGrpSpPr/>
+        <p:nvPr/>
+      </p:nvGrpSpPr>
+      <p:grpSpPr>
+        <a:xfrm>
+          <a:off x="0" y="0"/>
+          <a:ext cx="0" cy="0"/>
+          <a:chOff x="0" y="0"/>
+          <a:chExt cx="0" cy="0"/>
+        </a:xfrm>
+      </p:grpSpPr>
+      <p:pic>
+        <p:nvPicPr>
+          <p:cNvPr id="4" name="Content Placeholder 3"/>
+          <p:cNvPicPr>
+            <a:picLocks noGrp="1" noChangeAspect="1"/>
+          </p:cNvPicPr>
+          <p:nvPr>
+            <p:ph idx="1"/>
+          </p:nvPr>
+        </p:nvPicPr>
+        <p:blipFill>
+          <a:blip r:embed="rId2">
+            <a:extLst>
+              <a:ext uri="{28A0092B-C50C-407E-A947-70E740481C1C}">
+                <a14:useLocalDpi xmlns:a14="http://schemas.microsoft.com/office/drawing/2010/main" val="0"/>
+              </a:ext>
+            </a:extLst>
+          </a:blip>
+          <a:stretch>
+            <a:fillRect/>
+          </a:stretch>
+        </p:blipFill>
+        <p:spPr>
+          <a:xfrm>
+            <a:off x="0" y="1"/>
+            <a:ext cx="12191999" cy="5528602"/>
+          </a:xfrm>
+        </p:spPr>
+      </p:pic>
+    </p:spTree>
+    <p:extLst>
+      <p:ext uri="{BB962C8B-B14F-4D97-AF65-F5344CB8AC3E}">
+        <p14:creationId xmlns:p14="http://schemas.microsoft.com/office/powerpoint/2010/main" val="914802183"/>
+      </p:ext>
+    </p:extLst>
+  </p:cSld>
+  <p:clrMapOvr>
+    <a:masterClrMapping/>
+  </p:clrMapOvr>
 </p:sld>
 </file>
 
@@ -4019,4 +4644,265 @@
     </a:ext>
   </a:extLst>
 </a:theme>
+</file>
+
+<file path=ppt/theme/theme2.xml><?xml version="1.0" encoding="utf-8"?>
+<a:theme xmlns:a="http://schemas.openxmlformats.org/drawingml/2006/main" name="Office Theme">
+  <a:themeElements>
+    <a:clrScheme name="Office">
+      <a:dk1>
+        <a:sysClr val="windowText" lastClr="000000"/>
+      </a:dk1>
+      <a:lt1>
+        <a:sysClr val="window" lastClr="FFFFFF"/>
+      </a:lt1>
+      <a:dk2>
+        <a:srgbClr val="44546A"/>
+      </a:dk2>
+      <a:lt2>
+        <a:srgbClr val="E7E6E6"/>
+      </a:lt2>
+      <a:accent1>
+        <a:srgbClr val="4472C4"/>
+      </a:accent1>
+      <a:accent2>
+        <a:srgbClr val="ED7D31"/>
+      </a:accent2>
+      <a:accent3>
+        <a:srgbClr val="A5A5A5"/>
+      </a:accent3>
+      <a:accent4>
+        <a:srgbClr val="FFC000"/>
+      </a:accent4>
+      <a:accent5>
+        <a:srgbClr val="5B9BD5"/>
+      </a:accent5>
+      <a:accent6>
+        <a:srgbClr val="70AD47"/>
+      </a:accent6>
+      <a:hlink>
+        <a:srgbClr val="0563C1"/>
+      </a:hlink>
+      <a:folHlink>
+        <a:srgbClr val="954F72"/>
+      </a:folHlink>
+    </a:clrScheme>
+    <a:fontScheme name="Office">
+      <a:majorFont>
+        <a:latin typeface="Calibri Light" panose="020F0302020204030204"/>
+        <a:ea typeface=""/>
+        <a:cs typeface=""/>
+        <a:font script="Jpan" typeface="Yu Gothic Light"/>
+        <a:font script="Hang" typeface="맑은 고딕"/>
+        <a:font script="Hans" typeface="DengXian Light"/>
+        <a:font script="Hant" typeface="新細明體"/>
+        <a:font script="Arab" typeface="Times New Roman"/>
+        <a:font script="Hebr" typeface="Times New Roman"/>
+        <a:font script="Thai" typeface="Angsana New"/>
+        <a:font script="Ethi" typeface="Nyala"/>
+        <a:font script="Beng" typeface="Vrinda"/>
+        <a:font script="Gujr" typeface="Shruti"/>
+        <a:font script="Khmr" typeface="MoolBoran"/>
+        <a:font script="Knda" typeface="Tunga"/>
+        <a:font script="Guru" typeface="Raavi"/>
+        <a:font script="Cans" typeface="Euphemia"/>
+        <a:font script="Cher" typeface="Plantagenet Cherokee"/>
+        <a:font script="Yiii" typeface="Microsoft Yi Baiti"/>
+        <a:font script="Tibt" typeface="Microsoft Himalaya"/>
+        <a:font script="Thaa" typeface="MV Boli"/>
+        <a:font script="Deva" typeface="Mangal"/>
+        <a:font script="Telu" typeface="Gautami"/>
+        <a:font script="Taml" typeface="Latha"/>
+        <a:font script="Syrc" typeface="Estrangelo Edessa"/>
+        <a:font script="Orya" typeface="Kalinga"/>
+        <a:font script="Mlym" typeface="Kartika"/>
+        <a:font script="Laoo" typeface="DokChampa"/>
+        <a:font script="Sinh" typeface="Iskoola Pota"/>
+        <a:font script="Mong" typeface="Mongolian Baiti"/>
+        <a:font script="Viet" typeface="Times New Roman"/>
+        <a:font script="Uigh" typeface="Microsoft Uighur"/>
+        <a:font script="Geor" typeface="Sylfaen"/>
+      </a:majorFont>
+      <a:minorFont>
+        <a:latin typeface="Calibri" panose="020F0502020204030204"/>
+        <a:ea typeface=""/>
+        <a:cs typeface=""/>
+        <a:font script="Jpan" typeface="Yu Gothic"/>
+        <a:font script="Hang" typeface="맑은 고딕"/>
+        <a:font script="Hans" typeface="DengXian"/>
+        <a:font script="Hant" typeface="新細明體"/>
+        <a:font script="Arab" typeface="Arial"/>
+        <a:font script="Hebr" typeface="Arial"/>
+        <a:font script="Thai" typeface="Cordia New"/>
+        <a:font script="Ethi" typeface="Nyala"/>
+        <a:font script="Beng" typeface="Vrinda"/>
+        <a:font script="Gujr" typeface="Shruti"/>
+        <a:font script="Khmr" typeface="DaunPenh"/>
+        <a:font script="Knda" typeface="Tunga"/>
+        <a:font script="Guru" typeface="Raavi"/>
+        <a:font script="Cans" typeface="Euphemia"/>
+        <a:font script="Cher" typeface="Plantagenet Cherokee"/>
+        <a:font script="Yiii" typeface="Microsoft Yi Baiti"/>
+        <a:font script="Tibt" typeface="Microsoft Himalaya"/>
+        <a:font script="Thaa" typeface="MV Boli"/>
+        <a:font script="Deva" typeface="Mangal"/>
+        <a:font script="Telu" typeface="Gautami"/>
+        <a:font script="Taml" typeface="Latha"/>
+        <a:font script="Syrc" typeface="Estrangelo Edessa"/>
+        <a:font script="Orya" typeface="Kalinga"/>
+        <a:font script="Mlym" typeface="Kartika"/>
+        <a:font script="Laoo" typeface="DokChampa"/>
+        <a:font script="Sinh" typeface="Iskoola Pota"/>
+        <a:font script="Mong" typeface="Mongolian Baiti"/>
+        <a:font script="Viet" typeface="Arial"/>
+        <a:font script="Uigh" typeface="Microsoft Uighur"/>
+        <a:font script="Geor" typeface="Sylfaen"/>
+      </a:minorFont>
+    </a:fontScheme>
+    <a:fmtScheme name="Office">
+      <a:fillStyleLst>
+        <a:solidFill>
+          <a:schemeClr val="phClr"/>
+        </a:solidFill>
+        <a:gradFill rotWithShape="1">
+          <a:gsLst>
+            <a:gs pos="0">
+              <a:schemeClr val="phClr">
+                <a:lumMod val="110000"/>
+                <a:satMod val="105000"/>
+                <a:tint val="67000"/>
+              </a:schemeClr>
+            </a:gs>
+            <a:gs pos="50000">
+              <a:schemeClr val="phClr">
+                <a:lumMod val="105000"/>
+                <a:satMod val="103000"/>
+                <a:tint val="73000"/>
+              </a:schemeClr>
+            </a:gs>
+            <a:gs pos="100000">
+              <a:schemeClr val="phClr">
+                <a:lumMod val="105000"/>
+                <a:satMod val="109000"/>
+                <a:tint val="81000"/>
+              </a:schemeClr>
+            </a:gs>
+          </a:gsLst>
+          <a:lin ang="5400000" scaled="0"/>
+        </a:gradFill>
+        <a:gradFill rotWithShape="1">
+          <a:gsLst>
+            <a:gs pos="0">
+              <a:schemeClr val="phClr">
+                <a:satMod val="103000"/>
+                <a:lumMod val="102000"/>
+                <a:tint val="94000"/>
+              </a:schemeClr>
+            </a:gs>
+            <a:gs pos="50000">
+              <a:schemeClr val="phClr">
+                <a:satMod val="110000"/>
+                <a:lumMod val="100000"/>
+                <a:shade val="100000"/>
+              </a:schemeClr>
+            </a:gs>
+            <a:gs pos="100000">
+              <a:schemeClr val="phClr">
+                <a:lumMod val="99000"/>
+                <a:satMod val="120000"/>
+                <a:shade val="78000"/>
+              </a:schemeClr>
+            </a:gs>
+          </a:gsLst>
+          <a:lin ang="5400000" scaled="0"/>
+        </a:gradFill>
+      </a:fillStyleLst>
+      <a:lnStyleLst>
+        <a:ln w="6350" cap="flat" cmpd="sng" algn="ctr">
+          <a:solidFill>
+            <a:schemeClr val="phClr"/>
+          </a:solidFill>
+          <a:prstDash val="solid"/>
+          <a:miter lim="800000"/>
+        </a:ln>
+        <a:ln w="12700" cap="flat" cmpd="sng" algn="ctr">
+          <a:solidFill>
+            <a:schemeClr val="phClr"/>
+          </a:solidFill>
+          <a:prstDash val="solid"/>
+          <a:miter lim="800000"/>
+        </a:ln>
+        <a:ln w="19050" cap="flat" cmpd="sng" algn="ctr">
+          <a:solidFill>
+            <a:schemeClr val="phClr"/>
+          </a:solidFill>
+          <a:prstDash val="solid"/>
+          <a:miter lim="800000"/>
+        </a:ln>
+      </a:lnStyleLst>
+      <a:effectStyleLst>
+        <a:effectStyle>
+          <a:effectLst/>
+        </a:effectStyle>
+        <a:effectStyle>
+          <a:effectLst/>
+        </a:effectStyle>
+        <a:effectStyle>
+          <a:effectLst>
+            <a:outerShdw blurRad="57150" dist="19050" dir="5400000" algn="ctr" rotWithShape="0">
+              <a:srgbClr val="000000">
+                <a:alpha val="63000"/>
+              </a:srgbClr>
+            </a:outerShdw>
+          </a:effectLst>
+        </a:effectStyle>
+      </a:effectStyleLst>
+      <a:bgFillStyleLst>
+        <a:solidFill>
+          <a:schemeClr val="phClr"/>
+        </a:solidFill>
+        <a:solidFill>
+          <a:schemeClr val="phClr">
+            <a:tint val="95000"/>
+            <a:satMod val="170000"/>
+          </a:schemeClr>
+        </a:solidFill>
+        <a:gradFill rotWithShape="1">
+          <a:gsLst>
+            <a:gs pos="0">
+              <a:schemeClr val="phClr">
+                <a:tint val="93000"/>
+                <a:satMod val="150000"/>
+                <a:shade val="98000"/>
+                <a:lumMod val="102000"/>
+              </a:schemeClr>
+            </a:gs>
+            <a:gs pos="50000">
+              <a:schemeClr val="phClr">
+                <a:tint val="98000"/>
+                <a:satMod val="130000"/>
+                <a:shade val="90000"/>
+                <a:lumMod val="103000"/>
+              </a:schemeClr>
+            </a:gs>
+            <a:gs pos="100000">
+              <a:schemeClr val="phClr">
+                <a:shade val="63000"/>
+                <a:satMod val="120000"/>
+              </a:schemeClr>
+            </a:gs>
+          </a:gsLst>
+          <a:lin ang="5400000" scaled="0"/>
+        </a:gradFill>
+      </a:bgFillStyleLst>
+    </a:fmtScheme>
+  </a:themeElements>
+  <a:objectDefaults/>
+  <a:extraClrSchemeLst/>
+  <a:extLst>
+    <a:ext uri="{05A4C25C-085E-4340-85A3-A5531E510DB2}">
+      <thm15:themeFamily xmlns:thm15="http://schemas.microsoft.com/office/thememl/2012/main" name="Office Theme" id="{62F939B6-93AF-4DB8-9C6B-D6C7DFDC589F}" vid="{4A3C46E8-61CC-4603-A589-7422A47A8E4A}"/>
+    </a:ext>
+  </a:extLst>
+</a:theme>
 </file>
--- a/SVM.pptx
+++ b/SVM.pptx
@@ -205,7 +205,7 @@
           <a:p>
             <a:fld id="{7474CCE6-5FC5-9544-BBE2-1B27983199F6}" type="datetimeFigureOut">
               <a:rPr lang="en-US" smtClean="0"/>
-              <a:t>8/3/17</a:t>
+              <a:t>8/7/17</a:t>
             </a:fld>
             <a:endParaRPr lang="en-US"/>
           </a:p>
@@ -605,7 +605,7 @@
             <a:fld id="{5923F103-BC34-4FE4-A40E-EDDEECFDA5D0}" type="datetimeFigureOut">
               <a:rPr lang="en-US" smtClean="0"/>
               <a:pPr/>
-              <a:t>8/3/17</a:t>
+              <a:t>8/7/17</a:t>
             </a:fld>
             <a:endParaRPr lang="en-US" dirty="0"/>
           </a:p>
@@ -771,7 +771,7 @@
           <a:p>
             <a:fld id="{53086D93-FCAC-47E0-A2EE-787E62CA814C}" type="datetimeFigureOut">
               <a:rPr lang="en-US" smtClean="0"/>
-              <a:t>8/3/17</a:t>
+              <a:t>8/7/17</a:t>
             </a:fld>
             <a:endParaRPr lang="en-US" dirty="0"/>
           </a:p>
@@ -947,7 +947,7 @@
           <a:p>
             <a:fld id="{CDA879A6-0FD0-4734-A311-86BFCA472E6E}" type="datetimeFigureOut">
               <a:rPr lang="en-US" smtClean="0"/>
-              <a:t>8/3/17</a:t>
+              <a:t>8/7/17</a:t>
             </a:fld>
             <a:endParaRPr lang="en-US" dirty="0"/>
           </a:p>
@@ -1113,7 +1113,7 @@
           <a:p>
             <a:fld id="{19C9CA7B-DFD4-44B5-8C60-D14B8CD1FB59}" type="datetimeFigureOut">
               <a:rPr lang="en-US" smtClean="0"/>
-              <a:t>8/3/17</a:t>
+              <a:t>8/7/17</a:t>
             </a:fld>
             <a:endParaRPr lang="en-US" dirty="0"/>
           </a:p>
@@ -1355,7 +1355,7 @@
           <a:p>
             <a:fld id="{F34E6425-0181-43F2-84FC-787E803FD2F8}" type="datetimeFigureOut">
               <a:rPr lang="en-US" smtClean="0"/>
-              <a:t>8/3/17</a:t>
+              <a:t>8/7/17</a:t>
             </a:fld>
             <a:endParaRPr lang="en-US" dirty="0"/>
           </a:p>
@@ -1583,7 +1583,7 @@
           <a:p>
             <a:fld id="{3BDB8791-F1B0-41E7-B7FD-A781E65C4266}" type="datetimeFigureOut">
               <a:rPr lang="en-US" smtClean="0"/>
-              <a:t>8/3/17</a:t>
+              <a:t>8/7/17</a:t>
             </a:fld>
             <a:endParaRPr lang="en-US" dirty="0"/>
           </a:p>
@@ -1951,7 +1951,7 @@
           <a:p>
             <a:fld id="{5FDD63B2-E120-4ED8-B27B-C685F510A5FE}" type="datetimeFigureOut">
               <a:rPr lang="en-US" smtClean="0"/>
-              <a:t>8/3/17</a:t>
+              <a:t>8/7/17</a:t>
             </a:fld>
             <a:endParaRPr lang="en-US" dirty="0"/>
           </a:p>
@@ -2070,7 +2070,7 @@
           <a:p>
             <a:fld id="{7AA18ACC-A947-437B-A130-35BD54FDF1E9}" type="datetimeFigureOut">
               <a:rPr lang="en-US" smtClean="0"/>
-              <a:t>8/3/17</a:t>
+              <a:t>8/7/17</a:t>
             </a:fld>
             <a:endParaRPr lang="en-US" dirty="0"/>
           </a:p>
@@ -2161,7 +2161,7 @@
           <a:p>
             <a:fld id="{7C8D7E02-BCB8-4D50-A234-369438C08659}" type="datetimeFigureOut">
               <a:rPr lang="en-US" smtClean="0"/>
-              <a:t>8/3/17</a:t>
+              <a:t>8/7/17</a:t>
             </a:fld>
             <a:endParaRPr lang="en-US" dirty="0"/>
           </a:p>
@@ -2434,7 +2434,7 @@
           <a:p>
             <a:fld id="{76E86A4C-8E40-4F87-A4F0-01A0687C5742}" type="datetimeFigureOut">
               <a:rPr lang="en-US" smtClean="0"/>
-              <a:t>8/3/17</a:t>
+              <a:t>8/7/17</a:t>
             </a:fld>
             <a:endParaRPr lang="en-US" dirty="0"/>
           </a:p>
@@ -2688,7 +2688,7 @@
           <a:p>
             <a:fld id="{35E72C73-2D91-4E12-BA25-F0AA0C03599B}" type="datetimeFigureOut">
               <a:rPr lang="en-US" smtClean="0"/>
-              <a:t>8/3/17</a:t>
+              <a:t>8/7/17</a:t>
             </a:fld>
             <a:endParaRPr lang="en-US" dirty="0"/>
           </a:p>
@@ -2897,7 +2897,7 @@
           <a:p>
             <a:fld id="{2BE451C3-0FF4-47C4-B829-773ADF60F88C}" type="datetimeFigureOut">
               <a:rPr lang="en-US" smtClean="0"/>
-              <a:t>8/3/17</a:t>
+              <a:t>8/7/17</a:t>
             </a:fld>
             <a:endParaRPr lang="en-US" dirty="0"/>
           </a:p>
@@ -3706,7 +3706,9 @@
         </p:nvSpPr>
         <p:spPr/>
         <p:txBody>
-          <a:bodyPr/>
+          <a:bodyPr>
+            <a:normAutofit/>
+          </a:bodyPr>
           <a:lstStyle/>
           <a:p>
             <a:r>
@@ -3747,7 +3749,71 @@
               </a:rPr>
               <a:t>code</a:t>
             </a:r>
-            <a:endParaRPr lang="en-US" dirty="0">
+            <a:r>
+              <a:rPr lang="en-US" dirty="0" smtClean="0">
+                <a:ln>
+                  <a:solidFill>
+                    <a:srgbClr val="00F090">
+                      <a:alpha val="46000"/>
+                    </a:srgbClr>
+                  </a:solidFill>
+                </a:ln>
+                <a:solidFill>
+                  <a:schemeClr val="tx1"/>
+                </a:solidFill>
+                <a:latin typeface="Copperplate" charset="0"/>
+                <a:ea typeface="Copperplate" charset="0"/>
+                <a:cs typeface="Copperplate" charset="0"/>
+              </a:rPr>
+              <a:t>  </a:t>
+            </a:r>
+            <a:r>
+              <a:rPr lang="en-US" sz="1100" dirty="0" smtClean="0">
+                <a:ln>
+                  <a:solidFill>
+                    <a:srgbClr val="00F090">
+                      <a:alpha val="46000"/>
+                    </a:srgbClr>
+                  </a:solidFill>
+                </a:ln>
+                <a:latin typeface="KufiStandardGK" charset="-78"/>
+                <a:ea typeface="KufiStandardGK" charset="-78"/>
+                <a:cs typeface="KufiStandardGK" charset="-78"/>
+              </a:rPr>
+              <a:t>Clone it from</a:t>
+            </a:r>
+            <a:r>
+              <a:rPr lang="en-US" sz="1100" dirty="0" smtClean="0">
+                <a:ln>
+                  <a:solidFill>
+                    <a:srgbClr val="00F090">
+                      <a:alpha val="46000"/>
+                    </a:srgbClr>
+                  </a:solidFill>
+                </a:ln>
+                <a:latin typeface="KufiStandardGK" charset="-78"/>
+                <a:ea typeface="KufiStandardGK" charset="-78"/>
+                <a:cs typeface="KufiStandardGK" charset="-78"/>
+              </a:rPr>
+              <a:t> </a:t>
+            </a:r>
+            <a:r>
+              <a:rPr lang="en-US" sz="1100" dirty="0" smtClean="0">
+                <a:ln>
+                  <a:solidFill>
+                    <a:srgbClr val="00F090">
+                      <a:alpha val="46000"/>
+                    </a:srgbClr>
+                  </a:solidFill>
+                </a:ln>
+                <a:latin typeface="KufiStandardGK" charset="-78"/>
+                <a:ea typeface="KufiStandardGK" charset="-78"/>
+                <a:cs typeface="KufiStandardGK" charset="-78"/>
+                <a:hlinkClick r:id="rId3"/>
+              </a:rPr>
+              <a:t>github.com/devssh/svm</a:t>
+            </a:r>
+            <a:endParaRPr lang="en-US" sz="1100" dirty="0">
               <a:ln>
                 <a:solidFill>
                   <a:srgbClr val="00F090">
@@ -3810,15 +3876,13 @@
                 <a:solidFill>
                   <a:schemeClr val="tx1"/>
                 </a:solidFill>
-                <a:latin typeface="Al Bayan Plain" charset="-78"/>
-                <a:ea typeface="Al Bayan Plain" charset="-78"/>
-                <a:cs typeface="Al Bayan Plain" charset="-78"/>
+                <a:latin typeface="KufiStandardGK" charset="-78"/>
+                <a:ea typeface="KufiStandardGK" charset="-78"/>
+                <a:cs typeface="KufiStandardGK" charset="-78"/>
                 <a:hlinkClick r:id="rId3"/>
               </a:rPr>
-              <a:t>github.com/devssh/svm</a:t>
-            </a:r>
-          </a:p>
-          <a:p>
+              <a:t>Mushroom </a:t>
+            </a:r>
             <a:r>
               <a:rPr lang="en-US" dirty="0" smtClean="0">
                 <a:ln>
@@ -3831,13 +3895,30 @@
                 <a:solidFill>
                   <a:schemeClr val="tx1"/>
                 </a:solidFill>
-                <a:latin typeface="Copperplate" charset="0"/>
-                <a:ea typeface="Copperplate" charset="0"/>
-                <a:cs typeface="Copperplate" charset="0"/>
+                <a:latin typeface="KufiStandardGK" charset="-78"/>
+                <a:ea typeface="KufiStandardGK" charset="-78"/>
+                <a:cs typeface="KufiStandardGK" charset="-78"/>
                 <a:hlinkClick r:id="rId3"/>
               </a:rPr>
-              <a:t>Mushroom </a:t>
-            </a:r>
+              <a:t>dataset</a:t>
+            </a:r>
+            <a:endParaRPr lang="en-US" dirty="0">
+              <a:ln>
+                <a:solidFill>
+                  <a:srgbClr val="00F090">
+                    <a:alpha val="46000"/>
+                  </a:srgbClr>
+                </a:solidFill>
+              </a:ln>
+              <a:solidFill>
+                <a:schemeClr val="tx1"/>
+              </a:solidFill>
+              <a:latin typeface="KufiStandardGK" charset="-78"/>
+              <a:ea typeface="KufiStandardGK" charset="-78"/>
+              <a:cs typeface="KufiStandardGK" charset="-78"/>
+            </a:endParaRPr>
+          </a:p>
+          <a:p>
             <a:r>
               <a:rPr lang="en-US" dirty="0" smtClean="0">
                 <a:ln>
@@ -3850,12 +3931,47 @@
                 <a:solidFill>
                   <a:schemeClr val="tx1"/>
                 </a:solidFill>
-                <a:latin typeface="Copperplate" charset="0"/>
-                <a:ea typeface="Copperplate" charset="0"/>
-                <a:cs typeface="Copperplate" charset="0"/>
-                <a:hlinkClick r:id="rId3"/>
+                <a:latin typeface="KufiStandardGK" charset="-78"/>
+                <a:ea typeface="KufiStandardGK" charset="-78"/>
+                <a:cs typeface="KufiStandardGK" charset="-78"/>
+                <a:hlinkClick r:id="rId4"/>
               </a:rPr>
-              <a:t>dataset</a:t>
+              <a:t>Credit Card Fraud Dataset</a:t>
+            </a:r>
+            <a:endParaRPr lang="en-US" dirty="0" smtClean="0">
+              <a:ln>
+                <a:solidFill>
+                  <a:srgbClr val="00F090">
+                    <a:alpha val="46000"/>
+                  </a:srgbClr>
+                </a:solidFill>
+              </a:ln>
+              <a:solidFill>
+                <a:schemeClr val="tx1"/>
+              </a:solidFill>
+              <a:latin typeface="KufiStandardGK" charset="-78"/>
+              <a:ea typeface="KufiStandardGK" charset="-78"/>
+              <a:cs typeface="KufiStandardGK" charset="-78"/>
+            </a:endParaRPr>
+          </a:p>
+          <a:p>
+            <a:r>
+              <a:rPr lang="en-US" dirty="0" smtClean="0">
+                <a:ln>
+                  <a:solidFill>
+                    <a:srgbClr val="00F090">
+                      <a:alpha val="46000"/>
+                    </a:srgbClr>
+                  </a:solidFill>
+                </a:ln>
+                <a:solidFill>
+                  <a:schemeClr val="tx1"/>
+                </a:solidFill>
+                <a:latin typeface="KufiStandardGK" charset="-78"/>
+                <a:ea typeface="KufiStandardGK" charset="-78"/>
+                <a:cs typeface="KufiStandardGK" charset="-78"/>
+              </a:rPr>
+              <a:t>Visualizations</a:t>
             </a:r>
             <a:endParaRPr lang="en-US" dirty="0">
               <a:ln>
@@ -3868,80 +3984,9 @@
               <a:solidFill>
                 <a:schemeClr val="tx1"/>
               </a:solidFill>
-              <a:latin typeface="Copperplate" charset="0"/>
-              <a:ea typeface="Copperplate" charset="0"/>
-              <a:cs typeface="Copperplate" charset="0"/>
-            </a:endParaRPr>
-          </a:p>
-          <a:p>
-            <a:r>
-              <a:rPr lang="en-US" dirty="0" smtClean="0">
-                <a:ln>
-                  <a:solidFill>
-                    <a:srgbClr val="00F090">
-                      <a:alpha val="46000"/>
-                    </a:srgbClr>
-                  </a:solidFill>
-                </a:ln>
-                <a:solidFill>
-                  <a:schemeClr val="tx1"/>
-                </a:solidFill>
-                <a:latin typeface="Copperplate" charset="0"/>
-                <a:ea typeface="Copperplate" charset="0"/>
-                <a:cs typeface="Copperplate" charset="0"/>
-                <a:hlinkClick r:id="rId4"/>
-              </a:rPr>
-              <a:t>Credit Card Fraud Dataset</a:t>
-            </a:r>
-            <a:endParaRPr lang="en-US" dirty="0" smtClean="0">
-              <a:ln>
-                <a:solidFill>
-                  <a:srgbClr val="00F090">
-                    <a:alpha val="46000"/>
-                  </a:srgbClr>
-                </a:solidFill>
-              </a:ln>
-              <a:solidFill>
-                <a:schemeClr val="tx1"/>
-              </a:solidFill>
-              <a:latin typeface="Copperplate" charset="0"/>
-              <a:ea typeface="Copperplate" charset="0"/>
-              <a:cs typeface="Copperplate" charset="0"/>
-            </a:endParaRPr>
-          </a:p>
-          <a:p>
-            <a:r>
-              <a:rPr lang="en-US" dirty="0" smtClean="0">
-                <a:ln>
-                  <a:solidFill>
-                    <a:srgbClr val="00F090">
-                      <a:alpha val="46000"/>
-                    </a:srgbClr>
-                  </a:solidFill>
-                </a:ln>
-                <a:solidFill>
-                  <a:schemeClr val="tx1"/>
-                </a:solidFill>
-                <a:latin typeface="Copperplate" charset="0"/>
-                <a:ea typeface="Copperplate" charset="0"/>
-                <a:cs typeface="Copperplate" charset="0"/>
-              </a:rPr>
-              <a:t>Visualizations</a:t>
-            </a:r>
-            <a:endParaRPr lang="en-US" dirty="0">
-              <a:ln>
-                <a:solidFill>
-                  <a:srgbClr val="00F090">
-                    <a:alpha val="46000"/>
-                  </a:srgbClr>
-                </a:solidFill>
-              </a:ln>
-              <a:solidFill>
-                <a:schemeClr val="tx1"/>
-              </a:solidFill>
-              <a:latin typeface="Copperplate" charset="0"/>
-              <a:ea typeface="Copperplate" charset="0"/>
-              <a:cs typeface="Copperplate" charset="0"/>
+              <a:latin typeface="KufiStandardGK" charset="-78"/>
+              <a:ea typeface="KufiStandardGK" charset="-78"/>
+              <a:cs typeface="KufiStandardGK" charset="-78"/>
             </a:endParaRPr>
           </a:p>
         </p:txBody>
